--- a/Back To Home.pptx
+++ b/Back To Home.pptx
@@ -307,7 +307,7 @@
           <a:p>
             <a:fld id="{7F99FBB3-76A5-4B60-BF62-179EE3A79E56}" type="datetimeFigureOut">
               <a:rPr kumimoji="1" lang="ja-JP" altLang="en-US" smtClean="0"/>
-              <a:t>2025/10/7</a:t>
+              <a:t>2025/10/9</a:t>
             </a:fld>
             <a:endParaRPr kumimoji="1" lang="ja-JP" altLang="en-US"/>
           </a:p>
@@ -743,7 +743,7 @@
           <a:p>
             <a:fld id="{7F99FBB3-76A5-4B60-BF62-179EE3A79E56}" type="datetimeFigureOut">
               <a:rPr kumimoji="1" lang="ja-JP" altLang="en-US" smtClean="0"/>
-              <a:t>2025/10/7</a:t>
+              <a:t>2025/10/9</a:t>
             </a:fld>
             <a:endParaRPr kumimoji="1" lang="ja-JP" altLang="en-US"/>
           </a:p>
@@ -993,7 +993,7 @@
           <a:p>
             <a:fld id="{7F99FBB3-76A5-4B60-BF62-179EE3A79E56}" type="datetimeFigureOut">
               <a:rPr kumimoji="1" lang="ja-JP" altLang="en-US" smtClean="0"/>
-              <a:t>2025/10/7</a:t>
+              <a:t>2025/10/9</a:t>
             </a:fld>
             <a:endParaRPr kumimoji="1" lang="ja-JP" altLang="en-US"/>
           </a:p>
@@ -1301,7 +1301,7 @@
           <a:p>
             <a:fld id="{7F99FBB3-76A5-4B60-BF62-179EE3A79E56}" type="datetimeFigureOut">
               <a:rPr kumimoji="1" lang="ja-JP" altLang="en-US" smtClean="0"/>
-              <a:t>2025/10/7</a:t>
+              <a:t>2025/10/9</a:t>
             </a:fld>
             <a:endParaRPr kumimoji="1" lang="ja-JP" altLang="en-US"/>
           </a:p>
@@ -1619,7 +1619,7 @@
           <a:p>
             <a:fld id="{7F99FBB3-76A5-4B60-BF62-179EE3A79E56}" type="datetimeFigureOut">
               <a:rPr kumimoji="1" lang="ja-JP" altLang="en-US" smtClean="0"/>
-              <a:t>2025/10/7</a:t>
+              <a:t>2025/10/9</a:t>
             </a:fld>
             <a:endParaRPr kumimoji="1" lang="ja-JP" altLang="en-US"/>
           </a:p>
@@ -1921,7 +1921,7 @@
           <a:p>
             <a:fld id="{7F99FBB3-76A5-4B60-BF62-179EE3A79E56}" type="datetimeFigureOut">
               <a:rPr kumimoji="1" lang="ja-JP" altLang="en-US" smtClean="0"/>
-              <a:t>2025/10/7</a:t>
+              <a:t>2025/10/9</a:t>
             </a:fld>
             <a:endParaRPr kumimoji="1" lang="ja-JP" altLang="en-US"/>
           </a:p>
@@ -2288,7 +2288,7 @@
           <a:p>
             <a:fld id="{7F99FBB3-76A5-4B60-BF62-179EE3A79E56}" type="datetimeFigureOut">
               <a:rPr kumimoji="1" lang="ja-JP" altLang="en-US" smtClean="0"/>
-              <a:t>2025/10/7</a:t>
+              <a:t>2025/10/9</a:t>
             </a:fld>
             <a:endParaRPr kumimoji="1" lang="ja-JP" altLang="en-US"/>
           </a:p>
@@ -2494,7 +2494,7 @@
           <a:p>
             <a:fld id="{7F99FBB3-76A5-4B60-BF62-179EE3A79E56}" type="datetimeFigureOut">
               <a:rPr kumimoji="1" lang="ja-JP" altLang="en-US" smtClean="0"/>
-              <a:t>2025/10/7</a:t>
+              <a:t>2025/10/9</a:t>
             </a:fld>
             <a:endParaRPr kumimoji="1" lang="ja-JP" altLang="en-US"/>
           </a:p>
@@ -2706,7 +2706,7 @@
           <a:p>
             <a:fld id="{7F99FBB3-76A5-4B60-BF62-179EE3A79E56}" type="datetimeFigureOut">
               <a:rPr kumimoji="1" lang="ja-JP" altLang="en-US" smtClean="0"/>
-              <a:t>2025/10/7</a:t>
+              <a:t>2025/10/9</a:t>
             </a:fld>
             <a:endParaRPr kumimoji="1" lang="ja-JP" altLang="en-US"/>
           </a:p>
@@ -2908,7 +2908,7 @@
           <a:p>
             <a:fld id="{7F99FBB3-76A5-4B60-BF62-179EE3A79E56}" type="datetimeFigureOut">
               <a:rPr kumimoji="1" lang="ja-JP" altLang="en-US" smtClean="0"/>
-              <a:t>2025/10/7</a:t>
+              <a:t>2025/10/9</a:t>
             </a:fld>
             <a:endParaRPr kumimoji="1" lang="ja-JP" altLang="en-US"/>
           </a:p>
@@ -3158,7 +3158,7 @@
           <a:p>
             <a:fld id="{7F99FBB3-76A5-4B60-BF62-179EE3A79E56}" type="datetimeFigureOut">
               <a:rPr kumimoji="1" lang="ja-JP" altLang="en-US" smtClean="0"/>
-              <a:t>2025/10/7</a:t>
+              <a:t>2025/10/9</a:t>
             </a:fld>
             <a:endParaRPr kumimoji="1" lang="ja-JP" altLang="en-US"/>
           </a:p>
@@ -3458,7 +3458,7 @@
           <a:p>
             <a:fld id="{7F99FBB3-76A5-4B60-BF62-179EE3A79E56}" type="datetimeFigureOut">
               <a:rPr kumimoji="1" lang="ja-JP" altLang="en-US" smtClean="0"/>
-              <a:t>2025/10/7</a:t>
+              <a:t>2025/10/9</a:t>
             </a:fld>
             <a:endParaRPr kumimoji="1" lang="ja-JP" altLang="en-US"/>
           </a:p>
@@ -3904,7 +3904,7 @@
           <a:p>
             <a:fld id="{7F99FBB3-76A5-4B60-BF62-179EE3A79E56}" type="datetimeFigureOut">
               <a:rPr kumimoji="1" lang="ja-JP" altLang="en-US" smtClean="0"/>
-              <a:t>2025/10/7</a:t>
+              <a:t>2025/10/9</a:t>
             </a:fld>
             <a:endParaRPr kumimoji="1" lang="ja-JP" altLang="en-US"/>
           </a:p>
@@ -4022,7 +4022,7 @@
           <a:p>
             <a:fld id="{7F99FBB3-76A5-4B60-BF62-179EE3A79E56}" type="datetimeFigureOut">
               <a:rPr kumimoji="1" lang="ja-JP" altLang="en-US" smtClean="0"/>
-              <a:t>2025/10/7</a:t>
+              <a:t>2025/10/9</a:t>
             </a:fld>
             <a:endParaRPr kumimoji="1" lang="ja-JP" altLang="en-US"/>
           </a:p>
@@ -4117,7 +4117,7 @@
           <a:p>
             <a:fld id="{7F99FBB3-76A5-4B60-BF62-179EE3A79E56}" type="datetimeFigureOut">
               <a:rPr kumimoji="1" lang="ja-JP" altLang="en-US" smtClean="0"/>
-              <a:t>2025/10/7</a:t>
+              <a:t>2025/10/9</a:t>
             </a:fld>
             <a:endParaRPr kumimoji="1" lang="ja-JP" altLang="en-US"/>
           </a:p>
@@ -4404,7 +4404,7 @@
           <a:p>
             <a:fld id="{7F99FBB3-76A5-4B60-BF62-179EE3A79E56}" type="datetimeFigureOut">
               <a:rPr kumimoji="1" lang="ja-JP" altLang="en-US" smtClean="0"/>
-              <a:t>2025/10/7</a:t>
+              <a:t>2025/10/9</a:t>
             </a:fld>
             <a:endParaRPr kumimoji="1" lang="ja-JP" altLang="en-US"/>
           </a:p>
@@ -4687,7 +4687,7 @@
           <a:p>
             <a:fld id="{7F99FBB3-76A5-4B60-BF62-179EE3A79E56}" type="datetimeFigureOut">
               <a:rPr kumimoji="1" lang="ja-JP" altLang="en-US" smtClean="0"/>
-              <a:t>2025/10/7</a:t>
+              <a:t>2025/10/9</a:t>
             </a:fld>
             <a:endParaRPr kumimoji="1" lang="ja-JP" altLang="en-US"/>
           </a:p>
@@ -5125,7 +5125,7 @@
           <a:p>
             <a:fld id="{7F99FBB3-76A5-4B60-BF62-179EE3A79E56}" type="datetimeFigureOut">
               <a:rPr kumimoji="1" lang="ja-JP" altLang="en-US" smtClean="0"/>
-              <a:t>2025/10/7</a:t>
+              <a:t>2025/10/9</a:t>
             </a:fld>
             <a:endParaRPr kumimoji="1" lang="ja-JP" altLang="en-US"/>
           </a:p>
@@ -5672,8 +5672,8 @@
         </p:nvSpPr>
         <p:spPr>
           <a:xfrm>
-            <a:off x="1260165" y="3360715"/>
-            <a:ext cx="7646329" cy="1442852"/>
+            <a:off x="933594" y="581891"/>
+            <a:ext cx="11066422" cy="5462647"/>
           </a:xfrm>
         </p:spPr>
         <p:txBody>
@@ -5684,7 +5684,21 @@
           <a:p>
             <a:r>
               <a:rPr lang="en-US" altLang="ja-JP" sz="12000" dirty="0" smtClean="0"/>
-              <a:t>BACK TO HOME</a:t>
+              <a:t>BACK</a:t>
+            </a:r>
+            <a:br>
+              <a:rPr lang="en-US" altLang="ja-JP" sz="12000" dirty="0" smtClean="0"/>
+            </a:br>
+            <a:r>
+              <a:rPr lang="en-US" altLang="ja-JP" sz="12000" dirty="0" smtClean="0"/>
+              <a:t>TO</a:t>
+            </a:r>
+            <a:br>
+              <a:rPr lang="en-US" altLang="ja-JP" sz="12000" dirty="0" smtClean="0"/>
+            </a:br>
+            <a:r>
+              <a:rPr lang="en-US" altLang="ja-JP" sz="12000" dirty="0" smtClean="0"/>
+              <a:t>HOME</a:t>
             </a:r>
             <a:endParaRPr kumimoji="1" lang="ja-JP" altLang="en-US" sz="12000" dirty="0"/>
           </a:p>
@@ -5771,6 +5785,13 @@
   <p:clrMapOvr>
     <a:masterClrMapping/>
   </p:clrMapOvr>
+  <p:timing>
+    <p:tnLst>
+      <p:par>
+        <p:cTn id="1" dur="indefinite" restart="never" nodeType="tmRoot"/>
+      </p:par>
+    </p:tnLst>
+  </p:timing>
 </p:sld>
 </file>
 
@@ -5835,7 +5856,7 @@
         <p:spPr>
           <a:xfrm>
             <a:off x="190005" y="1062681"/>
-            <a:ext cx="11388276" cy="3970318"/>
+            <a:ext cx="11388276" cy="1384995"/>
           </a:xfrm>
           <a:prstGeom prst="rect">
             <a:avLst/>
@@ -5884,39 +5905,406 @@
           <a:p>
             <a:endParaRPr lang="en-US" altLang="ja-JP" sz="2800" dirty="0"/>
           </a:p>
-          <a:p>
-            <a:r>
-              <a:rPr kumimoji="1" lang="ja-JP" altLang="en-US" sz="2800" dirty="0" smtClean="0"/>
-              <a:t>ゲームの大まかなあらすじ</a:t>
-            </a:r>
-            <a:endParaRPr kumimoji="1" lang="en-US" altLang="ja-JP" sz="2800" dirty="0" smtClean="0"/>
-          </a:p>
-          <a:p>
-            <a:endParaRPr kumimoji="1" lang="en-US" altLang="ja-JP" sz="2800" dirty="0"/>
-          </a:p>
-          <a:p>
-            <a:r>
-              <a:rPr lang="ja-JP" altLang="en-US" sz="2800" dirty="0" smtClean="0"/>
-              <a:t>主人公は危険な敵が潜む森に薬草を取りに来ていたが、</a:t>
-            </a:r>
-            <a:endParaRPr lang="en-US" altLang="ja-JP" sz="2800" dirty="0" smtClean="0"/>
-          </a:p>
-          <a:p>
-            <a:r>
-              <a:rPr lang="ja-JP" altLang="en-US" sz="2800" dirty="0" smtClean="0"/>
-              <a:t>崖から落ちて気を失っていた。</a:t>
-            </a:r>
-            <a:endParaRPr lang="en-US" altLang="ja-JP" sz="2800" dirty="0" smtClean="0"/>
-          </a:p>
-          <a:p>
-            <a:endParaRPr lang="en-US" altLang="ja-JP" sz="2800" dirty="0" smtClean="0"/>
-          </a:p>
-          <a:p>
-            <a:r>
-              <a:rPr lang="ja-JP" altLang="en-US" sz="2800" dirty="0" smtClean="0"/>
-              <a:t>一刻も早く自分の家に帰り薬をつくらなければいけない！</a:t>
-            </a:r>
-            <a:endParaRPr lang="en-US" altLang="ja-JP" sz="2800" dirty="0" smtClean="0"/>
+        </p:txBody>
+      </p:sp>
+      <p:sp>
+        <p:nvSpPr>
+          <p:cNvPr id="6" name="テキスト ボックス 5"/>
+          <p:cNvSpPr txBox="1"/>
+          <p:nvPr/>
+        </p:nvSpPr>
+        <p:spPr>
+          <a:xfrm>
+            <a:off x="190005" y="2280062"/>
+            <a:ext cx="2600696" cy="769441"/>
+          </a:xfrm>
+          <a:prstGeom prst="rect">
+            <a:avLst/>
+          </a:prstGeom>
+          <a:noFill/>
+          <a:ln>
+            <a:solidFill>
+              <a:schemeClr val="bg1"/>
+            </a:solidFill>
+          </a:ln>
+        </p:spPr>
+        <p:txBody>
+          <a:bodyPr wrap="square" rtlCol="0">
+            <a:spAutoFit/>
+          </a:bodyPr>
+          <a:lstStyle/>
+          <a:p>
+            <a:r>
+              <a:rPr lang="ja-JP" altLang="en-US" sz="4400" dirty="0" smtClean="0"/>
+              <a:t>操作方法</a:t>
+            </a:r>
+            <a:endParaRPr kumimoji="1" lang="ja-JP" altLang="en-US" sz="4400" dirty="0"/>
+          </a:p>
+        </p:txBody>
+      </p:sp>
+      <p:grpSp>
+        <p:nvGrpSpPr>
+          <p:cNvPr id="7" name="グループ化 6"/>
+          <p:cNvGrpSpPr/>
+          <p:nvPr/>
+        </p:nvGrpSpPr>
+        <p:grpSpPr>
+          <a:xfrm>
+            <a:off x="3383398" y="2598412"/>
+            <a:ext cx="2266207" cy="1065296"/>
+            <a:chOff x="134588" y="1229097"/>
+            <a:chExt cx="2266207" cy="1065296"/>
+          </a:xfrm>
+        </p:grpSpPr>
+        <p:sp>
+          <p:nvSpPr>
+            <p:cNvPr id="8" name="正方形/長方形 7"/>
+            <p:cNvSpPr/>
+            <p:nvPr/>
+          </p:nvSpPr>
+          <p:spPr>
+            <a:xfrm>
+              <a:off x="914401" y="1229097"/>
+              <a:ext cx="706581" cy="498763"/>
+            </a:xfrm>
+            <a:prstGeom prst="rect">
+              <a:avLst/>
+            </a:prstGeom>
+          </p:spPr>
+          <p:style>
+            <a:lnRef idx="2">
+              <a:schemeClr val="dk1">
+                <a:shade val="50000"/>
+              </a:schemeClr>
+            </a:lnRef>
+            <a:fillRef idx="1">
+              <a:schemeClr val="dk1"/>
+            </a:fillRef>
+            <a:effectRef idx="0">
+              <a:schemeClr val="dk1"/>
+            </a:effectRef>
+            <a:fontRef idx="minor">
+              <a:schemeClr val="lt1"/>
+            </a:fontRef>
+          </p:style>
+          <p:txBody>
+            <a:bodyPr rtlCol="0" anchor="ctr"/>
+            <a:lstStyle/>
+            <a:p>
+              <a:pPr algn="ctr"/>
+              <a:r>
+                <a:rPr kumimoji="1" lang="en-US" altLang="ja-JP" dirty="0" smtClean="0"/>
+                <a:t>W</a:t>
+              </a:r>
+              <a:endParaRPr kumimoji="1" lang="ja-JP" altLang="en-US" dirty="0"/>
+            </a:p>
+          </p:txBody>
+        </p:sp>
+        <p:sp>
+          <p:nvSpPr>
+            <p:cNvPr id="9" name="正方形/長方形 8"/>
+            <p:cNvSpPr/>
+            <p:nvPr/>
+          </p:nvSpPr>
+          <p:spPr>
+            <a:xfrm>
+              <a:off x="914401" y="1795630"/>
+              <a:ext cx="706581" cy="498763"/>
+            </a:xfrm>
+            <a:prstGeom prst="rect">
+              <a:avLst/>
+            </a:prstGeom>
+          </p:spPr>
+          <p:style>
+            <a:lnRef idx="2">
+              <a:schemeClr val="dk1">
+                <a:shade val="50000"/>
+              </a:schemeClr>
+            </a:lnRef>
+            <a:fillRef idx="1">
+              <a:schemeClr val="dk1"/>
+            </a:fillRef>
+            <a:effectRef idx="0">
+              <a:schemeClr val="dk1"/>
+            </a:effectRef>
+            <a:fontRef idx="minor">
+              <a:schemeClr val="lt1"/>
+            </a:fontRef>
+          </p:style>
+          <p:txBody>
+            <a:bodyPr rtlCol="0" anchor="ctr"/>
+            <a:lstStyle/>
+            <a:p>
+              <a:pPr algn="ctr"/>
+              <a:r>
+                <a:rPr lang="en-US" altLang="ja-JP" dirty="0"/>
+                <a:t>S</a:t>
+              </a:r>
+              <a:endParaRPr kumimoji="1" lang="ja-JP" altLang="en-US" dirty="0"/>
+            </a:p>
+          </p:txBody>
+        </p:sp>
+        <p:sp>
+          <p:nvSpPr>
+            <p:cNvPr id="10" name="正方形/長方形 9"/>
+            <p:cNvSpPr/>
+            <p:nvPr/>
+          </p:nvSpPr>
+          <p:spPr>
+            <a:xfrm>
+              <a:off x="134588" y="1795629"/>
+              <a:ext cx="706581" cy="498763"/>
+            </a:xfrm>
+            <a:prstGeom prst="rect">
+              <a:avLst/>
+            </a:prstGeom>
+          </p:spPr>
+          <p:style>
+            <a:lnRef idx="2">
+              <a:schemeClr val="dk1">
+                <a:shade val="50000"/>
+              </a:schemeClr>
+            </a:lnRef>
+            <a:fillRef idx="1">
+              <a:schemeClr val="dk1"/>
+            </a:fillRef>
+            <a:effectRef idx="0">
+              <a:schemeClr val="dk1"/>
+            </a:effectRef>
+            <a:fontRef idx="minor">
+              <a:schemeClr val="lt1"/>
+            </a:fontRef>
+          </p:style>
+          <p:txBody>
+            <a:bodyPr rtlCol="0" anchor="ctr"/>
+            <a:lstStyle/>
+            <a:p>
+              <a:pPr algn="ctr"/>
+              <a:r>
+                <a:rPr lang="en-US" altLang="ja-JP" dirty="0" smtClean="0"/>
+                <a:t>A</a:t>
+              </a:r>
+              <a:endParaRPr kumimoji="1" lang="ja-JP" altLang="en-US" dirty="0"/>
+            </a:p>
+          </p:txBody>
+        </p:sp>
+        <p:sp>
+          <p:nvSpPr>
+            <p:cNvPr id="11" name="正方形/長方形 10"/>
+            <p:cNvSpPr/>
+            <p:nvPr/>
+          </p:nvSpPr>
+          <p:spPr>
+            <a:xfrm>
+              <a:off x="1694214" y="1795629"/>
+              <a:ext cx="706581" cy="498763"/>
+            </a:xfrm>
+            <a:prstGeom prst="rect">
+              <a:avLst/>
+            </a:prstGeom>
+          </p:spPr>
+          <p:style>
+            <a:lnRef idx="2">
+              <a:schemeClr val="dk1">
+                <a:shade val="50000"/>
+              </a:schemeClr>
+            </a:lnRef>
+            <a:fillRef idx="1">
+              <a:schemeClr val="dk1"/>
+            </a:fillRef>
+            <a:effectRef idx="0">
+              <a:schemeClr val="dk1"/>
+            </a:effectRef>
+            <a:fontRef idx="minor">
+              <a:schemeClr val="lt1"/>
+            </a:fontRef>
+          </p:style>
+          <p:txBody>
+            <a:bodyPr rtlCol="0" anchor="ctr"/>
+            <a:lstStyle/>
+            <a:p>
+              <a:pPr algn="ctr"/>
+              <a:r>
+                <a:rPr lang="en-US" altLang="ja-JP" dirty="0"/>
+                <a:t>D</a:t>
+              </a:r>
+              <a:endParaRPr kumimoji="1" lang="ja-JP" altLang="en-US" dirty="0"/>
+            </a:p>
+          </p:txBody>
+        </p:sp>
+      </p:grpSp>
+      <p:sp>
+        <p:nvSpPr>
+          <p:cNvPr id="12" name="テキスト ボックス 11"/>
+          <p:cNvSpPr txBox="1"/>
+          <p:nvPr/>
+        </p:nvSpPr>
+        <p:spPr>
+          <a:xfrm>
+            <a:off x="6312644" y="2936857"/>
+            <a:ext cx="4631377" cy="584775"/>
+          </a:xfrm>
+          <a:prstGeom prst="rect">
+            <a:avLst/>
+          </a:prstGeom>
+          <a:noFill/>
+        </p:spPr>
+        <p:txBody>
+          <a:bodyPr wrap="square" rtlCol="0">
+            <a:spAutoFit/>
+          </a:bodyPr>
+          <a:lstStyle/>
+          <a:p>
+            <a:r>
+              <a:rPr kumimoji="1" lang="ja-JP" altLang="en-US" sz="3200" dirty="0" smtClean="0"/>
+              <a:t>・・・　移動</a:t>
+            </a:r>
+            <a:endParaRPr kumimoji="1" lang="ja-JP" altLang="en-US" sz="3200" dirty="0"/>
+          </a:p>
+        </p:txBody>
+      </p:sp>
+      <p:sp>
+        <p:nvSpPr>
+          <p:cNvPr id="13" name="正方形/長方形 12"/>
+          <p:cNvSpPr/>
+          <p:nvPr/>
+        </p:nvSpPr>
+        <p:spPr>
+          <a:xfrm>
+            <a:off x="3674343" y="4167381"/>
+            <a:ext cx="1684315" cy="498763"/>
+          </a:xfrm>
+          <a:prstGeom prst="rect">
+            <a:avLst/>
+          </a:prstGeom>
+        </p:spPr>
+        <p:style>
+          <a:lnRef idx="2">
+            <a:schemeClr val="dk1">
+              <a:shade val="50000"/>
+            </a:schemeClr>
+          </a:lnRef>
+          <a:fillRef idx="1">
+            <a:schemeClr val="dk1"/>
+          </a:fillRef>
+          <a:effectRef idx="0">
+            <a:schemeClr val="dk1"/>
+          </a:effectRef>
+          <a:fontRef idx="minor">
+            <a:schemeClr val="lt1"/>
+          </a:fontRef>
+        </p:style>
+        <p:txBody>
+          <a:bodyPr rtlCol="0" anchor="ctr"/>
+          <a:lstStyle/>
+          <a:p>
+            <a:pPr algn="ctr"/>
+            <a:r>
+              <a:rPr lang="en-US" altLang="ja-JP" dirty="0" smtClean="0"/>
+              <a:t>SPACE</a:t>
+            </a:r>
+            <a:endParaRPr kumimoji="1" lang="ja-JP" altLang="en-US" dirty="0"/>
+          </a:p>
+        </p:txBody>
+      </p:sp>
+      <p:sp>
+        <p:nvSpPr>
+          <p:cNvPr id="14" name="テキスト ボックス 13"/>
+          <p:cNvSpPr txBox="1"/>
+          <p:nvPr/>
+        </p:nvSpPr>
+        <p:spPr>
+          <a:xfrm>
+            <a:off x="6312643" y="4128272"/>
+            <a:ext cx="4631377" cy="584775"/>
+          </a:xfrm>
+          <a:prstGeom prst="rect">
+            <a:avLst/>
+          </a:prstGeom>
+          <a:noFill/>
+        </p:spPr>
+        <p:txBody>
+          <a:bodyPr wrap="square" rtlCol="0">
+            <a:spAutoFit/>
+          </a:bodyPr>
+          <a:lstStyle/>
+          <a:p>
+            <a:r>
+              <a:rPr kumimoji="1" lang="ja-JP" altLang="en-US" sz="3200" dirty="0" smtClean="0"/>
+              <a:t>・・・　ジャンプ</a:t>
+            </a:r>
+            <a:endParaRPr kumimoji="1" lang="ja-JP" altLang="en-US" sz="3200" dirty="0"/>
+          </a:p>
+        </p:txBody>
+      </p:sp>
+      <p:pic>
+        <p:nvPicPr>
+          <p:cNvPr id="15" name="Picture 2" descr="https://www.bing.com/th/id/OIP.CesL4vwWjegbtFgb74ZG0QHaHa?w=195&amp;h=211&amp;c=8&amp;rs=1&amp;qlt=90&amp;o=6&amp;cb=12&amp;dpr=1.5&amp;pid=3.1&amp;rm=2"/>
+          <p:cNvPicPr>
+            <a:picLocks noChangeAspect="1" noChangeArrowheads="1"/>
+          </p:cNvPicPr>
+          <p:nvPr/>
+        </p:nvPicPr>
+        <p:blipFill>
+          <a:blip r:embed="rId2" cstate="print">
+            <a:extLst>
+              <a:ext uri="{28A0092B-C50C-407E-A947-70E740481C1C}">
+                <a14:useLocalDpi xmlns:a14="http://schemas.microsoft.com/office/drawing/2010/main" val="0"/>
+              </a:ext>
+            </a:extLst>
+          </a:blip>
+          <a:srcRect/>
+          <a:stretch>
+            <a:fillRect/>
+          </a:stretch>
+        </p:blipFill>
+        <p:spPr bwMode="auto">
+          <a:xfrm>
+            <a:off x="3960339" y="5169817"/>
+            <a:ext cx="1112322" cy="1203746"/>
+          </a:xfrm>
+          <a:prstGeom prst="rect">
+            <a:avLst/>
+          </a:prstGeom>
+          <a:noFill/>
+          <a:extLst>
+            <a:ext uri="{909E8E84-426E-40DD-AFC4-6F175D3DCCD1}">
+              <a14:hiddenFill xmlns:a14="http://schemas.microsoft.com/office/drawing/2010/main">
+                <a:solidFill>
+                  <a:srgbClr val="FFFFFF"/>
+                </a:solidFill>
+              </a14:hiddenFill>
+            </a:ext>
+          </a:extLst>
+        </p:spPr>
+      </p:pic>
+      <p:sp>
+        <p:nvSpPr>
+          <p:cNvPr id="16" name="テキスト ボックス 15"/>
+          <p:cNvSpPr txBox="1"/>
+          <p:nvPr/>
+        </p:nvSpPr>
+        <p:spPr>
+          <a:xfrm>
+            <a:off x="6354207" y="5479302"/>
+            <a:ext cx="4631377" cy="584775"/>
+          </a:xfrm>
+          <a:prstGeom prst="rect">
+            <a:avLst/>
+          </a:prstGeom>
+          <a:noFill/>
+        </p:spPr>
+        <p:txBody>
+          <a:bodyPr wrap="square" rtlCol="0">
+            <a:spAutoFit/>
+          </a:bodyPr>
+          <a:lstStyle/>
+          <a:p>
+            <a:r>
+              <a:rPr kumimoji="1" lang="ja-JP" altLang="en-US" sz="3200" dirty="0" smtClean="0"/>
+              <a:t>・・・　攻撃</a:t>
+            </a:r>
+            <a:endParaRPr kumimoji="1" lang="ja-JP" altLang="en-US" sz="3200" dirty="0"/>
           </a:p>
         </p:txBody>
       </p:sp>
@@ -5930,6 +6318,13 @@
   <p:clrMapOvr>
     <a:masterClrMapping/>
   </p:clrMapOvr>
+  <p:timing>
+    <p:tnLst>
+      <p:par>
+        <p:cTn id="1" dur="indefinite" restart="never" nodeType="tmRoot"/>
+      </p:par>
+    </p:tnLst>
+  </p:timing>
 </p:sld>
 </file>
 
@@ -6026,11 +6421,22 @@
           <a:p>
             <a:r>
               <a:rPr lang="ja-JP" altLang="en-US" sz="2800" dirty="0" smtClean="0"/>
-              <a:t>・プレイヤーが所持している薬草に経験値が入り、いい効果や、悪い効果が付与される。　時間経過で効果が減少する。</a:t>
+              <a:t>・敵を倒すと薬草に経験値が入り、経験値が溜まったら有利な効果を</a:t>
             </a:r>
             <a:endParaRPr lang="en-US" altLang="ja-JP" sz="2800" dirty="0" smtClean="0"/>
           </a:p>
           <a:p>
+            <a:r>
+              <a:rPr lang="ja-JP" altLang="en-US" sz="2800" dirty="0" smtClean="0"/>
+              <a:t>　手に入れることができる。</a:t>
+            </a:r>
+            <a:endParaRPr lang="en-US" altLang="ja-JP" sz="2800" dirty="0" smtClean="0"/>
+          </a:p>
+          <a:p>
+            <a:r>
+              <a:rPr lang="ja-JP" altLang="en-US" sz="2800" dirty="0" smtClean="0"/>
+              <a:t>　同じ効果を選ぶとレベルが上がり効果が強くなる。</a:t>
+            </a:r>
             <a:endParaRPr lang="en-US" altLang="ja-JP" sz="2800" dirty="0" smtClean="0"/>
           </a:p>
           <a:p>
@@ -6085,7 +6491,27 @@
             <a:pPr algn="ctr"/>
             <a:r>
               <a:rPr kumimoji="1" lang="ja-JP" altLang="en-US" dirty="0" smtClean="0"/>
-              <a:t>森林ステージ</a:t>
+              <a:t>森林</a:t>
+            </a:r>
+            <a:r>
+              <a:rPr kumimoji="1" lang="ja-JP" altLang="en-US" dirty="0" smtClean="0"/>
+              <a:t>ステージ</a:t>
+            </a:r>
+            <a:endParaRPr kumimoji="1" lang="en-US" altLang="ja-JP" dirty="0" smtClean="0"/>
+          </a:p>
+          <a:p>
+            <a:pPr algn="ctr"/>
+            <a:r>
+              <a:rPr lang="en-US" altLang="ja-JP" dirty="0" smtClean="0"/>
+              <a:t>(</a:t>
+            </a:r>
+            <a:r>
+              <a:rPr lang="ja-JP" altLang="en-US" dirty="0" smtClean="0"/>
+              <a:t>スタート</a:t>
+            </a:r>
+            <a:r>
+              <a:rPr lang="en-US" altLang="ja-JP" dirty="0" smtClean="0"/>
+              <a:t>)</a:t>
             </a:r>
             <a:endParaRPr kumimoji="1" lang="ja-JP" altLang="en-US" dirty="0"/>
           </a:p>
@@ -6379,6 +6805,13 @@
   <p:clrMapOvr>
     <a:masterClrMapping/>
   </p:clrMapOvr>
+  <p:timing>
+    <p:tnLst>
+      <p:par>
+        <p:cTn id="1" dur="indefinite" restart="never" nodeType="tmRoot"/>
+      </p:par>
+    </p:tnLst>
+  </p:timing>
 </p:sld>
 </file>
 
@@ -6532,6 +6965,13 @@
   <p:clrMapOvr>
     <a:masterClrMapping/>
   </p:clrMapOvr>
+  <p:timing>
+    <p:tnLst>
+      <p:par>
+        <p:cTn id="1" dur="indefinite" restart="never" nodeType="tmRoot"/>
+      </p:par>
+    </p:tnLst>
+  </p:timing>
 </p:sld>
 </file>
 
@@ -6596,7 +7036,7 @@
         <p:spPr>
           <a:xfrm>
             <a:off x="103508" y="1000898"/>
-            <a:ext cx="11388276" cy="5693866"/>
+            <a:ext cx="6772305" cy="5693866"/>
           </a:xfrm>
           <a:prstGeom prst="rect">
             <a:avLst/>
@@ -6633,7 +7073,7 @@
             </a:r>
             <a:r>
               <a:rPr lang="ja-JP" altLang="en-US" sz="2800" dirty="0" smtClean="0"/>
-              <a:t>　時間経過で体力を回復できる</a:t>
+              <a:t>　毎秒２ずつ回復</a:t>
             </a:r>
             <a:endParaRPr lang="en-US" altLang="ja-JP" sz="2800" dirty="0" smtClean="0"/>
           </a:p>
@@ -6651,7 +7091,15 @@
             </a:r>
             <a:r>
               <a:rPr lang="ja-JP" altLang="en-US" sz="2800" dirty="0" smtClean="0"/>
-              <a:t>　移動速度が少し増加</a:t>
+              <a:t>　移動速度が</a:t>
+            </a:r>
+            <a:r>
+              <a:rPr lang="en-US" altLang="ja-JP" sz="2800" dirty="0" smtClean="0"/>
+              <a:t>1.2</a:t>
+            </a:r>
+            <a:r>
+              <a:rPr lang="ja-JP" altLang="en-US" sz="2800" dirty="0" smtClean="0"/>
+              <a:t>倍</a:t>
             </a:r>
             <a:endParaRPr lang="en-US" altLang="ja-JP" sz="2800" dirty="0" smtClean="0"/>
           </a:p>
@@ -6664,12 +7112,28 @@
               <a:t>・解熱作用</a:t>
             </a:r>
             <a:r>
+              <a:rPr lang="en-US" altLang="ja-JP" sz="2800" dirty="0" smtClean="0"/>
+              <a:t>Ⅰ</a:t>
+            </a:r>
+            <a:r>
               <a:rPr lang="ja-JP" altLang="en-US" sz="2800" dirty="0"/>
               <a:t>　</a:t>
             </a:r>
             <a:r>
               <a:rPr lang="ja-JP" altLang="en-US" sz="2800" dirty="0" smtClean="0"/>
-              <a:t>　攻撃力が増加</a:t>
+              <a:t>　攻撃力</a:t>
+            </a:r>
+            <a:r>
+              <a:rPr lang="ja-JP" altLang="en-US" sz="2800" dirty="0" smtClean="0"/>
+              <a:t>が</a:t>
+            </a:r>
+            <a:r>
+              <a:rPr lang="en-US" altLang="ja-JP" sz="2800" dirty="0"/>
+              <a:t>5</a:t>
+            </a:r>
+            <a:r>
+              <a:rPr lang="ja-JP" altLang="en-US" sz="2800" dirty="0" smtClean="0"/>
+              <a:t>増加</a:t>
             </a:r>
             <a:endParaRPr lang="en-US" altLang="ja-JP" sz="2800" dirty="0" smtClean="0"/>
           </a:p>
@@ -6697,7 +7161,15 @@
           <a:p>
             <a:r>
               <a:rPr lang="ja-JP" altLang="en-US" sz="2800" dirty="0" smtClean="0"/>
-              <a:t>・疲労増加　　移動速度が少し減少</a:t>
+              <a:t>・疲労増加　　移動速度が</a:t>
+            </a:r>
+            <a:r>
+              <a:rPr lang="en-US" altLang="ja-JP" sz="2800" dirty="0" smtClean="0"/>
+              <a:t>0.8</a:t>
+            </a:r>
+            <a:r>
+              <a:rPr lang="ja-JP" altLang="en-US" sz="2800" dirty="0" smtClean="0"/>
+              <a:t>倍</a:t>
             </a:r>
             <a:endParaRPr lang="en-US" altLang="ja-JP" sz="2800" dirty="0" smtClean="0"/>
           </a:p>
@@ -6707,7 +7179,15 @@
           <a:p>
             <a:r>
               <a:rPr lang="ja-JP" altLang="en-US" sz="2800" dirty="0" smtClean="0"/>
-              <a:t>・発熱　　　　攻撃力が減少</a:t>
+              <a:t>・発熱　　　　攻撃力が</a:t>
+            </a:r>
+            <a:r>
+              <a:rPr lang="en-US" altLang="ja-JP" sz="2800" dirty="0" smtClean="0"/>
+              <a:t>3</a:t>
+            </a:r>
+            <a:r>
+              <a:rPr lang="ja-JP" altLang="en-US" sz="2800" dirty="0" smtClean="0"/>
+              <a:t>減少</a:t>
             </a:r>
             <a:endParaRPr lang="en-US" altLang="ja-JP" sz="2800" dirty="0" smtClean="0"/>
           </a:p>
@@ -6717,9 +7197,100 @@
           <a:p>
             <a:r>
               <a:rPr lang="ja-JP" altLang="en-US" sz="2800" dirty="0" smtClean="0"/>
-              <a:t>・毒　　　　　体力の最大値が減少</a:t>
+              <a:t>・毒　　　　　体力の最大値</a:t>
+            </a:r>
+            <a:r>
+              <a:rPr lang="ja-JP" altLang="en-US" sz="2800" dirty="0" smtClean="0"/>
+              <a:t>が</a:t>
+            </a:r>
+            <a:r>
+              <a:rPr lang="en-US" altLang="ja-JP" sz="2800" dirty="0" smtClean="0"/>
+              <a:t>20</a:t>
+            </a:r>
+            <a:r>
+              <a:rPr lang="ja-JP" altLang="en-US" sz="2800" dirty="0" smtClean="0"/>
+              <a:t>減少</a:t>
             </a:r>
             <a:endParaRPr lang="en-US" altLang="ja-JP" sz="2800" dirty="0"/>
+          </a:p>
+        </p:txBody>
+      </p:sp>
+      <p:sp>
+        <p:nvSpPr>
+          <p:cNvPr id="3" name="正方形/長方形 2"/>
+          <p:cNvSpPr/>
+          <p:nvPr/>
+        </p:nvSpPr>
+        <p:spPr>
+          <a:xfrm>
+            <a:off x="8211788" y="193376"/>
+            <a:ext cx="3758540" cy="1615044"/>
+          </a:xfrm>
+          <a:prstGeom prst="rect">
+            <a:avLst/>
+          </a:prstGeom>
+        </p:spPr>
+        <p:style>
+          <a:lnRef idx="2">
+            <a:schemeClr val="accent1">
+              <a:shade val="50000"/>
+            </a:schemeClr>
+          </a:lnRef>
+          <a:fillRef idx="1">
+            <a:schemeClr val="accent1"/>
+          </a:fillRef>
+          <a:effectRef idx="0">
+            <a:schemeClr val="accent1"/>
+          </a:effectRef>
+          <a:fontRef idx="minor">
+            <a:schemeClr val="lt1"/>
+          </a:fontRef>
+        </p:style>
+        <p:txBody>
+          <a:bodyPr rtlCol="0" anchor="ctr"/>
+          <a:lstStyle/>
+          <a:p>
+            <a:r>
+              <a:rPr lang="ja-JP" altLang="en-US" dirty="0"/>
+              <a:t>プレイヤーの通常時のステータス</a:t>
+            </a:r>
+            <a:endParaRPr lang="en-US" altLang="ja-JP" dirty="0"/>
+          </a:p>
+          <a:p>
+            <a:endParaRPr lang="en-US" altLang="ja-JP" dirty="0"/>
+          </a:p>
+          <a:p>
+            <a:r>
+              <a:rPr lang="en-US" altLang="ja-JP" dirty="0"/>
+              <a:t>HP</a:t>
+            </a:r>
+            <a:r>
+              <a:rPr lang="ja-JP" altLang="en-US" dirty="0"/>
+              <a:t>　　　１００</a:t>
+            </a:r>
+            <a:endParaRPr lang="en-US" altLang="ja-JP" dirty="0"/>
+          </a:p>
+          <a:p>
+            <a:r>
+              <a:rPr lang="ja-JP" altLang="en-US" dirty="0"/>
+              <a:t>攻撃力　     　</a:t>
+            </a:r>
+            <a:r>
+              <a:rPr lang="ja-JP" altLang="en-US" dirty="0" smtClean="0"/>
+              <a:t>５</a:t>
+            </a:r>
+            <a:endParaRPr lang="en-US" altLang="ja-JP" dirty="0" smtClean="0"/>
+          </a:p>
+          <a:p>
+            <a:r>
+              <a:rPr lang="ja-JP" altLang="en-US" dirty="0" smtClean="0"/>
+              <a:t>移動速度　   </a:t>
+            </a:r>
+            <a:r>
+              <a:rPr lang="en-US" altLang="ja-JP" dirty="0" smtClean="0"/>
+              <a:t>1.0</a:t>
+            </a:r>
+            <a:endParaRPr lang="en-US" altLang="ja-JP" dirty="0"/>
           </a:p>
         </p:txBody>
       </p:sp>
@@ -6733,6 +7304,13 @@
   <p:clrMapOvr>
     <a:masterClrMapping/>
   </p:clrMapOvr>
+  <p:timing>
+    <p:tnLst>
+      <p:par>
+        <p:cTn id="1" dur="indefinite" restart="never" nodeType="tmRoot"/>
+      </p:par>
+    </p:tnLst>
+  </p:timing>
 </p:sld>
 </file>
 
